--- a/Labs/TreeLab/Tree lab - S2020.pptx
+++ b/Labs/TreeLab/Tree lab - S2020.pptx
@@ -5,13 +5,14 @@
     <p:sldMasterId id="2147483648" r:id="rId1"/>
   </p:sldMasterIdLst>
   <p:notesMasterIdLst>
-    <p:notesMasterId r:id="rId6"/>
+    <p:notesMasterId r:id="rId7"/>
   </p:notesMasterIdLst>
   <p:sldIdLst>
     <p:sldId id="257" r:id="rId2"/>
     <p:sldId id="258" r:id="rId3"/>
     <p:sldId id="259" r:id="rId4"/>
     <p:sldId id="260" r:id="rId5"/>
+    <p:sldId id="261" r:id="rId6"/>
   </p:sldIdLst>
   <p:sldSz cx="9144000" cy="6858000" type="screen4x3"/>
   <p:notesSz cx="6858000" cy="9144000"/>
@@ -5965,7 +5966,7 @@
             <p:cNvPr id="35" name="Line 26">
               <a:extLst>
                 <a:ext uri="{FF2B5EF4-FFF2-40B4-BE49-F238E27FC236}">
-                  <a16:creationId xmlns:a16="http://schemas.microsoft.com/office/drawing/2014/main" xmlns="" id="{E1BE0D65-EAAC-4ED0-A123-4E7831D0C561}"/>
+                  <a16:creationId xmlns="" xmlns:a16="http://schemas.microsoft.com/office/drawing/2014/main" id="{E1BE0D65-EAAC-4ED0-A123-4E7831D0C561}"/>
                 </a:ext>
               </a:extLst>
             </p:cNvPr>
@@ -6022,7 +6023,7 @@
             <p:cNvPr id="36" name="Oval 13">
               <a:extLst>
                 <a:ext uri="{FF2B5EF4-FFF2-40B4-BE49-F238E27FC236}">
-                  <a16:creationId xmlns:a16="http://schemas.microsoft.com/office/drawing/2014/main" xmlns="" id="{36C53DFB-EFFD-4DD4-A091-A9073B049BF9}"/>
+                  <a16:creationId xmlns="" xmlns:a16="http://schemas.microsoft.com/office/drawing/2014/main" id="{36C53DFB-EFFD-4DD4-A091-A9073B049BF9}"/>
                 </a:ext>
               </a:extLst>
             </p:cNvPr>
@@ -11317,9 +11318,6 @@
               </a:rPr>
               <a:t>7</a:t>
             </a:r>
-            <a:endParaRPr lang="en-US" sz="2000" dirty="0">
-              <a:latin typeface="Times New Roman" pitchFamily="18" charset="0"/>
-            </a:endParaRPr>
           </a:p>
           <a:p>
             <a:pPr algn="ctr" eaLnBrk="1" hangingPunct="1"/>
@@ -11480,7 +11478,7 @@
           <p:cNvPr id="2" name="Group 1">
             <a:extLst>
               <a:ext uri="{FF2B5EF4-FFF2-40B4-BE49-F238E27FC236}">
-                <a16:creationId xmlns:a16="http://schemas.microsoft.com/office/drawing/2014/main" xmlns="" id="{0668E5C1-F162-4923-AF6A-0D522335FCA9}"/>
+                <a16:creationId xmlns="" xmlns:a16="http://schemas.microsoft.com/office/drawing/2014/main" id="{0668E5C1-F162-4923-AF6A-0D522335FCA9}"/>
               </a:ext>
             </a:extLst>
           </p:cNvPr>
@@ -14338,6 +14336,100 @@
         </p:txBody>
       </p:sp>
     </p:spTree>
+  </p:cSld>
+  <p:clrMapOvr>
+    <a:masterClrMapping/>
+  </p:clrMapOvr>
+</p:sld>
+</file>
+
+<file path=ppt/slides/slide5.xml><?xml version="1.0" encoding="utf-8"?>
+<p:sld xmlns:a="http://schemas.openxmlformats.org/drawingml/2006/main" xmlns:r="http://schemas.openxmlformats.org/officeDocument/2006/relationships" xmlns:p="http://schemas.openxmlformats.org/presentationml/2006/main">
+  <p:cSld>
+    <p:spTree>
+      <p:nvGrpSpPr>
+        <p:cNvPr id="1" name=""/>
+        <p:cNvGrpSpPr/>
+        <p:nvPr/>
+      </p:nvGrpSpPr>
+      <p:grpSpPr>
+        <a:xfrm>
+          <a:off x="0" y="0"/>
+          <a:ext cx="0" cy="0"/>
+          <a:chOff x="0" y="0"/>
+          <a:chExt cx="0" cy="0"/>
+        </a:xfrm>
+      </p:grpSpPr>
+      <p:pic>
+        <p:nvPicPr>
+          <p:cNvPr id="2" name="Picture 1"/>
+          <p:cNvPicPr>
+            <a:picLocks noChangeAspect="1"/>
+          </p:cNvPicPr>
+          <p:nvPr/>
+        </p:nvPicPr>
+        <p:blipFill>
+          <a:blip r:embed="rId2"/>
+          <a:stretch>
+            <a:fillRect/>
+          </a:stretch>
+        </p:blipFill>
+        <p:spPr>
+          <a:xfrm>
+            <a:off x="1219200" y="1828800"/>
+            <a:ext cx="6310842" cy="1914525"/>
+          </a:xfrm>
+          <a:prstGeom prst="rect">
+            <a:avLst/>
+          </a:prstGeom>
+        </p:spPr>
+      </p:pic>
+      <p:sp>
+        <p:nvSpPr>
+          <p:cNvPr id="3" name="Rectangle 2"/>
+          <p:cNvSpPr/>
+          <p:nvPr/>
+        </p:nvSpPr>
+        <p:spPr>
+          <a:xfrm>
+            <a:off x="2088621" y="609600"/>
+            <a:ext cx="4572000" cy="923330"/>
+          </a:xfrm>
+          <a:prstGeom prst="rect">
+            <a:avLst/>
+          </a:prstGeom>
+        </p:spPr>
+        <p:txBody>
+          <a:bodyPr>
+            <a:spAutoFit/>
+          </a:bodyPr>
+          <a:lstStyle/>
+          <a:p>
+            <a:pPr eaLnBrk="1" hangingPunct="1"/>
+            <a:r>
+              <a:rPr lang="en-US" dirty="0" smtClean="0">
+                <a:latin typeface="Times New Roman" pitchFamily="18" charset="0"/>
+              </a:rPr>
+              <a:t>Screen Shot of my repository: </a:t>
+            </a:r>
+            <a:r>
+              <a:rPr lang="en-US" dirty="0">
+                <a:hlinkClick r:id="rId3"/>
+              </a:rPr>
+              <a:t>https://github.com/farshadsafavi/Computer-ScienceII/tree/master/Labs/TreeLab</a:t>
+            </a:r>
+            <a:endParaRPr lang="en-US" dirty="0">
+              <a:latin typeface="Times New Roman" pitchFamily="18" charset="0"/>
+            </a:endParaRPr>
+          </a:p>
+        </p:txBody>
+      </p:sp>
+    </p:spTree>
+    <p:extLst>
+      <p:ext uri="{BB962C8B-B14F-4D97-AF65-F5344CB8AC3E}">
+        <p14:creationId xmlns:p14="http://schemas.microsoft.com/office/powerpoint/2010/main" val="3163696299"/>
+      </p:ext>
+    </p:extLst>
   </p:cSld>
   <p:clrMapOvr>
     <a:masterClrMapping/>
